--- a/lectures/intro.pptx
+++ b/lectures/intro.pptx
@@ -3164,7 +3164,7 @@
           <a:graphicData uri="http://schemas.openxmlformats.org/presentationml/2006/ole">
             <mc:AlternateContent xmlns:mc="http://schemas.openxmlformats.org/markup-compatibility/2006">
               <mc:Choice xmlns:v="urn:schemas-microsoft-com:vml" Requires="v">
-                <p:oleObj spid="_x0000_s1045" name="Слайд think-cell" r:id="rId15" imgW="416" imgH="416" progId="TCLayout.ActiveDocument.1">
+                <p:oleObj spid="_x0000_s1047" name="Слайд think-cell" r:id="rId15" imgW="416" imgH="416" progId="TCLayout.ActiveDocument.1">
                   <p:embed/>
                 </p:oleObj>
               </mc:Choice>
@@ -3788,7 +3788,7 @@
           <a:graphicData uri="http://schemas.openxmlformats.org/presentationml/2006/ole">
             <mc:AlternateContent xmlns:mc="http://schemas.openxmlformats.org/markup-compatibility/2006">
               <mc:Choice xmlns:v="urn:schemas-microsoft-com:vml" Requires="v">
-                <p:oleObj spid="_x0000_s4120" name="Слайд think-cell" r:id="rId4" imgW="416" imgH="416" progId="TCLayout.ActiveDocument.1">
+                <p:oleObj spid="_x0000_s4122" name="Слайд think-cell" r:id="rId4" imgW="416" imgH="416" progId="TCLayout.ActiveDocument.1">
                   <p:embed/>
                 </p:oleObj>
               </mc:Choice>
@@ -4234,7 +4234,7 @@
           <a:graphicData uri="http://schemas.openxmlformats.org/presentationml/2006/ole">
             <mc:AlternateContent xmlns:mc="http://schemas.openxmlformats.org/markup-compatibility/2006">
               <mc:Choice xmlns:v="urn:schemas-microsoft-com:vml" Requires="v">
-                <p:oleObj spid="_x0000_s10266" name="Слайд think-cell" r:id="rId4" imgW="416" imgH="416" progId="TCLayout.ActiveDocument.1">
+                <p:oleObj spid="_x0000_s10268" name="Слайд think-cell" r:id="rId4" imgW="416" imgH="416" progId="TCLayout.ActiveDocument.1">
                   <p:embed/>
                 </p:oleObj>
               </mc:Choice>
@@ -5336,7 +5336,7 @@
           <a:graphicData uri="http://schemas.openxmlformats.org/presentationml/2006/ole">
             <mc:AlternateContent xmlns:mc="http://schemas.openxmlformats.org/markup-compatibility/2006">
               <mc:Choice xmlns:v="urn:schemas-microsoft-com:vml" Requires="v">
-                <p:oleObj spid="_x0000_s13323" name="Слайд think-cell" r:id="rId4" imgW="416" imgH="416" progId="TCLayout.ActiveDocument.1">
+                <p:oleObj spid="_x0000_s13325" name="Слайд think-cell" r:id="rId4" imgW="416" imgH="416" progId="TCLayout.ActiveDocument.1">
                   <p:embed/>
                 </p:oleObj>
               </mc:Choice>
@@ -6310,7 +6310,7 @@
           <a:graphicData uri="http://schemas.openxmlformats.org/presentationml/2006/ole">
             <mc:AlternateContent xmlns:mc="http://schemas.openxmlformats.org/markup-compatibility/2006">
               <mc:Choice xmlns:v="urn:schemas-microsoft-com:vml" Requires="v">
-                <p:oleObj spid="_x0000_s12313" name="Слайд think-cell" r:id="rId4" imgW="416" imgH="416" progId="TCLayout.ActiveDocument.1">
+                <p:oleObj spid="_x0000_s12315" name="Слайд think-cell" r:id="rId4" imgW="416" imgH="416" progId="TCLayout.ActiveDocument.1">
                   <p:embed/>
                 </p:oleObj>
               </mc:Choice>
@@ -17634,7 +17634,7 @@
           <a:graphicData uri="http://schemas.openxmlformats.org/presentationml/2006/ole">
             <mc:AlternateContent xmlns:mc="http://schemas.openxmlformats.org/markup-compatibility/2006">
               <mc:Choice xmlns:v="urn:schemas-microsoft-com:vml" Requires="v">
-                <p:oleObj spid="_x0000_s14343" name="Слайд think-cell" r:id="rId4" imgW="416" imgH="416" progId="TCLayout.ActiveDocument.1">
+                <p:oleObj spid="_x0000_s14345" name="Слайд think-cell" r:id="rId4" imgW="416" imgH="416" progId="TCLayout.ActiveDocument.1">
                   <p:embed/>
                 </p:oleObj>
               </mc:Choice>
@@ -18557,7 +18557,7 @@
                 </a:solidFill>
                 <a:hlinkClick r:id="rId11"/>
               </a:rPr>
-              <a:t>https://t.me/joinchat/OSjPlBGkk_BlNjYy</a:t>
+              <a:t>https://t.me/joinchat/cNlyExmBxmEzODky</a:t>
             </a:r>
             <a:r>
               <a:rPr lang="ru-RU" dirty="0">
@@ -18712,10 +18712,10 @@
       </p:pic>
       <p:pic>
         <p:nvPicPr>
-          <p:cNvPr id="6" name="Рисунок 5">
+          <p:cNvPr id="4" name="Рисунок 3">
             <a:extLst>
               <a:ext uri="{FF2B5EF4-FFF2-40B4-BE49-F238E27FC236}">
-                <a16:creationId xmlns:a16="http://schemas.microsoft.com/office/drawing/2014/main" id="{DDBB6E44-8207-2A4C-A9D5-3753A64936D2}"/>
+                <a16:creationId xmlns:a16="http://schemas.microsoft.com/office/drawing/2014/main" id="{CDDA62C4-6731-E647-9734-916DE1668029}"/>
               </a:ext>
             </a:extLst>
           </p:cNvPr>
@@ -18738,8 +18738,8 @@
         </p:blipFill>
         <p:spPr>
           <a:xfrm>
-            <a:off x="9982324" y="2162998"/>
-            <a:ext cx="2030136" cy="2045633"/>
+            <a:off x="10044542" y="2225039"/>
+            <a:ext cx="1906491" cy="1921991"/>
           </a:xfrm>
           <a:prstGeom prst="rect">
             <a:avLst/>
